--- a/ppt 16-9/0362.人生的福.pptx
+++ b/ppt 16-9/0362.人生的福.pptx
@@ -5,7 +5,7 @@
     <p:sldMasterId id="2147483648" r:id="rId1"/>
   </p:sldMasterIdLst>
   <p:sldIdLst>
-    <p:sldId id="3271" r:id="rId2"/>
+    <p:sldId id="3272" r:id="rId2"/>
   </p:sldIdLst>
   <p:sldSz cx="12192000" cy="6858000"/>
   <p:notesSz cx="6858000" cy="9144000"/>
@@ -129,7 +129,7 @@
           <p:cNvPr id="2" name="标题 1">
             <a:extLst>
               <a:ext uri="{FF2B5EF4-FFF2-40B4-BE49-F238E27FC236}">
-                <a16:creationId xmlns:a16="http://schemas.microsoft.com/office/drawing/2014/main" id="{6BF75D20-6B03-6CFB-EF66-B64EA781C6C5}"/>
+                <a16:creationId xmlns:a16="http://schemas.microsoft.com/office/drawing/2014/main" id="{2E5F3954-4DDD-B846-AC5B-FA6C220E80D7}"/>
               </a:ext>
             </a:extLst>
           </p:cNvPr>
@@ -166,7 +166,7 @@
           <p:cNvPr id="3" name="副标题 2">
             <a:extLst>
               <a:ext uri="{FF2B5EF4-FFF2-40B4-BE49-F238E27FC236}">
-                <a16:creationId xmlns:a16="http://schemas.microsoft.com/office/drawing/2014/main" id="{3BDC00EB-B36E-F185-C254-D58A2E2DA125}"/>
+                <a16:creationId xmlns:a16="http://schemas.microsoft.com/office/drawing/2014/main" id="{8F850E09-087E-D04A-0247-BFC174139A4F}"/>
               </a:ext>
             </a:extLst>
           </p:cNvPr>
@@ -236,7 +236,7 @@
           <p:cNvPr id="4" name="日期占位符 3">
             <a:extLst>
               <a:ext uri="{FF2B5EF4-FFF2-40B4-BE49-F238E27FC236}">
-                <a16:creationId xmlns:a16="http://schemas.microsoft.com/office/drawing/2014/main" id="{E04E4584-8FDE-CB57-F9C4-6220828D1426}"/>
+                <a16:creationId xmlns:a16="http://schemas.microsoft.com/office/drawing/2014/main" id="{DBF08A6B-589C-3D44-022A-F82CDB8DBEF4}"/>
               </a:ext>
             </a:extLst>
           </p:cNvPr>
@@ -252,7 +252,7 @@
           <a:bodyPr/>
           <a:lstStyle/>
           <a:p>
-            <a:fld id="{23F23097-EE82-44A4-B694-CCF46629987C}" type="datetimeFigureOut">
+            <a:fld id="{BB29EA9D-FB9C-4F73-AF52-4096D2D8024E}" type="datetimeFigureOut">
               <a:rPr lang="zh-CN" altLang="en-US" smtClean="0"/>
               <a:t>2024/3/10</a:t>
             </a:fld>
@@ -265,7 +265,7 @@
           <p:cNvPr id="5" name="页脚占位符 4">
             <a:extLst>
               <a:ext uri="{FF2B5EF4-FFF2-40B4-BE49-F238E27FC236}">
-                <a16:creationId xmlns:a16="http://schemas.microsoft.com/office/drawing/2014/main" id="{C3F075E5-4089-907A-8CBA-1431EB04E257}"/>
+                <a16:creationId xmlns:a16="http://schemas.microsoft.com/office/drawing/2014/main" id="{0405D770-FAA3-F6D3-2F20-D96904A6B159}"/>
               </a:ext>
             </a:extLst>
           </p:cNvPr>
@@ -290,7 +290,7 @@
           <p:cNvPr id="6" name="灯片编号占位符 5">
             <a:extLst>
               <a:ext uri="{FF2B5EF4-FFF2-40B4-BE49-F238E27FC236}">
-                <a16:creationId xmlns:a16="http://schemas.microsoft.com/office/drawing/2014/main" id="{51E99377-3D83-D3FE-237F-AB01F3A84F5D}"/>
+                <a16:creationId xmlns:a16="http://schemas.microsoft.com/office/drawing/2014/main" id="{E170EA90-F387-FC9D-91C9-F4C22A13D549}"/>
               </a:ext>
             </a:extLst>
           </p:cNvPr>
@@ -306,7 +306,7 @@
           <a:bodyPr/>
           <a:lstStyle/>
           <a:p>
-            <a:fld id="{C6894A59-91BB-4F6C-8ADC-1A09D33F291D}" type="slidenum">
+            <a:fld id="{76050D88-B5AE-4445-80CC-5EE0B8D4E589}" type="slidenum">
               <a:rPr lang="zh-CN" altLang="en-US" smtClean="0"/>
               <a:t>‹#›</a:t>
             </a:fld>
@@ -317,7 +317,7 @@
     </p:spTree>
     <p:extLst>
       <p:ext uri="{BB962C8B-B14F-4D97-AF65-F5344CB8AC3E}">
-        <p14:creationId xmlns:p14="http://schemas.microsoft.com/office/powerpoint/2010/main" val="2457730092"/>
+        <p14:creationId xmlns:p14="http://schemas.microsoft.com/office/powerpoint/2010/main" val="1091471633"/>
       </p:ext>
     </p:extLst>
   </p:cSld>
@@ -349,7 +349,7 @@
           <p:cNvPr id="2" name="标题 1">
             <a:extLst>
               <a:ext uri="{FF2B5EF4-FFF2-40B4-BE49-F238E27FC236}">
-                <a16:creationId xmlns:a16="http://schemas.microsoft.com/office/drawing/2014/main" id="{8FCFB313-584D-6E1A-CAB8-6FDD44DE662C}"/>
+                <a16:creationId xmlns:a16="http://schemas.microsoft.com/office/drawing/2014/main" id="{9F76E33D-7250-3A1F-3853-B7917ABB3F42}"/>
               </a:ext>
             </a:extLst>
           </p:cNvPr>
@@ -377,7 +377,7 @@
           <p:cNvPr id="3" name="竖排文字占位符 2">
             <a:extLst>
               <a:ext uri="{FF2B5EF4-FFF2-40B4-BE49-F238E27FC236}">
-                <a16:creationId xmlns:a16="http://schemas.microsoft.com/office/drawing/2014/main" id="{9B97A8F0-BE8B-B808-D7BE-C39020B237D3}"/>
+                <a16:creationId xmlns:a16="http://schemas.microsoft.com/office/drawing/2014/main" id="{C99B6E7C-AA5E-31A3-7BAA-FBEB55510874}"/>
               </a:ext>
             </a:extLst>
           </p:cNvPr>
@@ -434,7 +434,7 @@
           <p:cNvPr id="4" name="日期占位符 3">
             <a:extLst>
               <a:ext uri="{FF2B5EF4-FFF2-40B4-BE49-F238E27FC236}">
-                <a16:creationId xmlns:a16="http://schemas.microsoft.com/office/drawing/2014/main" id="{B1F9BDFB-1989-DA3B-1F12-112B9BC6D426}"/>
+                <a16:creationId xmlns:a16="http://schemas.microsoft.com/office/drawing/2014/main" id="{FC3B37FA-C646-6A7D-72D7-2CB6633ABC9D}"/>
               </a:ext>
             </a:extLst>
           </p:cNvPr>
@@ -450,7 +450,7 @@
           <a:bodyPr/>
           <a:lstStyle/>
           <a:p>
-            <a:fld id="{23F23097-EE82-44A4-B694-CCF46629987C}" type="datetimeFigureOut">
+            <a:fld id="{BB29EA9D-FB9C-4F73-AF52-4096D2D8024E}" type="datetimeFigureOut">
               <a:rPr lang="zh-CN" altLang="en-US" smtClean="0"/>
               <a:t>2024/3/10</a:t>
             </a:fld>
@@ -463,7 +463,7 @@
           <p:cNvPr id="5" name="页脚占位符 4">
             <a:extLst>
               <a:ext uri="{FF2B5EF4-FFF2-40B4-BE49-F238E27FC236}">
-                <a16:creationId xmlns:a16="http://schemas.microsoft.com/office/drawing/2014/main" id="{9568B3FA-3983-6065-D8E3-214EA06FF0D6}"/>
+                <a16:creationId xmlns:a16="http://schemas.microsoft.com/office/drawing/2014/main" id="{84109C85-FCE3-D6B1-0276-A2FB4D9B2576}"/>
               </a:ext>
             </a:extLst>
           </p:cNvPr>
@@ -488,7 +488,7 @@
           <p:cNvPr id="6" name="灯片编号占位符 5">
             <a:extLst>
               <a:ext uri="{FF2B5EF4-FFF2-40B4-BE49-F238E27FC236}">
-                <a16:creationId xmlns:a16="http://schemas.microsoft.com/office/drawing/2014/main" id="{6FB288F4-F27A-D509-12D6-A35122512917}"/>
+                <a16:creationId xmlns:a16="http://schemas.microsoft.com/office/drawing/2014/main" id="{E4DD3415-CE01-095C-5133-FC502621AC1F}"/>
               </a:ext>
             </a:extLst>
           </p:cNvPr>
@@ -504,7 +504,7 @@
           <a:bodyPr/>
           <a:lstStyle/>
           <a:p>
-            <a:fld id="{C6894A59-91BB-4F6C-8ADC-1A09D33F291D}" type="slidenum">
+            <a:fld id="{76050D88-B5AE-4445-80CC-5EE0B8D4E589}" type="slidenum">
               <a:rPr lang="zh-CN" altLang="en-US" smtClean="0"/>
               <a:t>‹#›</a:t>
             </a:fld>
@@ -515,7 +515,7 @@
     </p:spTree>
     <p:extLst>
       <p:ext uri="{BB962C8B-B14F-4D97-AF65-F5344CB8AC3E}">
-        <p14:creationId xmlns:p14="http://schemas.microsoft.com/office/powerpoint/2010/main" val="3265955262"/>
+        <p14:creationId xmlns:p14="http://schemas.microsoft.com/office/powerpoint/2010/main" val="2727960317"/>
       </p:ext>
     </p:extLst>
   </p:cSld>
@@ -547,7 +547,7 @@
           <p:cNvPr id="2" name="竖排标题 1">
             <a:extLst>
               <a:ext uri="{FF2B5EF4-FFF2-40B4-BE49-F238E27FC236}">
-                <a16:creationId xmlns:a16="http://schemas.microsoft.com/office/drawing/2014/main" id="{26FD32F4-1D01-51FA-0AE3-2D58DB17BAF1}"/>
+                <a16:creationId xmlns:a16="http://schemas.microsoft.com/office/drawing/2014/main" id="{3A847324-86E0-29B3-B658-B5F2A201CC88}"/>
               </a:ext>
             </a:extLst>
           </p:cNvPr>
@@ -580,7 +580,7 @@
           <p:cNvPr id="3" name="竖排文字占位符 2">
             <a:extLst>
               <a:ext uri="{FF2B5EF4-FFF2-40B4-BE49-F238E27FC236}">
-                <a16:creationId xmlns:a16="http://schemas.microsoft.com/office/drawing/2014/main" id="{7C85DD38-251D-24B9-8BF3-06C3051D4D20}"/>
+                <a16:creationId xmlns:a16="http://schemas.microsoft.com/office/drawing/2014/main" id="{A82539C3-ED08-C4CB-6EDA-3C72D2DD3AF8}"/>
               </a:ext>
             </a:extLst>
           </p:cNvPr>
@@ -642,7 +642,7 @@
           <p:cNvPr id="4" name="日期占位符 3">
             <a:extLst>
               <a:ext uri="{FF2B5EF4-FFF2-40B4-BE49-F238E27FC236}">
-                <a16:creationId xmlns:a16="http://schemas.microsoft.com/office/drawing/2014/main" id="{827B9BD1-0659-E587-BDA9-ECB254925E85}"/>
+                <a16:creationId xmlns:a16="http://schemas.microsoft.com/office/drawing/2014/main" id="{68652368-54FD-4E7B-484A-D8581566B4C8}"/>
               </a:ext>
             </a:extLst>
           </p:cNvPr>
@@ -658,7 +658,7 @@
           <a:bodyPr/>
           <a:lstStyle/>
           <a:p>
-            <a:fld id="{23F23097-EE82-44A4-B694-CCF46629987C}" type="datetimeFigureOut">
+            <a:fld id="{BB29EA9D-FB9C-4F73-AF52-4096D2D8024E}" type="datetimeFigureOut">
               <a:rPr lang="zh-CN" altLang="en-US" smtClean="0"/>
               <a:t>2024/3/10</a:t>
             </a:fld>
@@ -671,7 +671,7 @@
           <p:cNvPr id="5" name="页脚占位符 4">
             <a:extLst>
               <a:ext uri="{FF2B5EF4-FFF2-40B4-BE49-F238E27FC236}">
-                <a16:creationId xmlns:a16="http://schemas.microsoft.com/office/drawing/2014/main" id="{AC18BEC6-6982-D057-AA14-C6483C4C05FF}"/>
+                <a16:creationId xmlns:a16="http://schemas.microsoft.com/office/drawing/2014/main" id="{0F415AFA-7E61-6D96-AF53-B214C3D10781}"/>
               </a:ext>
             </a:extLst>
           </p:cNvPr>
@@ -696,7 +696,7 @@
           <p:cNvPr id="6" name="灯片编号占位符 5">
             <a:extLst>
               <a:ext uri="{FF2B5EF4-FFF2-40B4-BE49-F238E27FC236}">
-                <a16:creationId xmlns:a16="http://schemas.microsoft.com/office/drawing/2014/main" id="{4043090B-A475-1B5B-590D-55E1930A8EE2}"/>
+                <a16:creationId xmlns:a16="http://schemas.microsoft.com/office/drawing/2014/main" id="{D13D9CA6-7C2D-2B4B-853A-2116BA3859DF}"/>
               </a:ext>
             </a:extLst>
           </p:cNvPr>
@@ -712,7 +712,7 @@
           <a:bodyPr/>
           <a:lstStyle/>
           <a:p>
-            <a:fld id="{C6894A59-91BB-4F6C-8ADC-1A09D33F291D}" type="slidenum">
+            <a:fld id="{76050D88-B5AE-4445-80CC-5EE0B8D4E589}" type="slidenum">
               <a:rPr lang="zh-CN" altLang="en-US" smtClean="0"/>
               <a:t>‹#›</a:t>
             </a:fld>
@@ -723,7 +723,7 @@
     </p:spTree>
     <p:extLst>
       <p:ext uri="{BB962C8B-B14F-4D97-AF65-F5344CB8AC3E}">
-        <p14:creationId xmlns:p14="http://schemas.microsoft.com/office/powerpoint/2010/main" val="3960507308"/>
+        <p14:creationId xmlns:p14="http://schemas.microsoft.com/office/powerpoint/2010/main" val="520837485"/>
       </p:ext>
     </p:extLst>
   </p:cSld>
@@ -755,7 +755,7 @@
           <p:cNvPr id="2" name="标题 1">
             <a:extLst>
               <a:ext uri="{FF2B5EF4-FFF2-40B4-BE49-F238E27FC236}">
-                <a16:creationId xmlns:a16="http://schemas.microsoft.com/office/drawing/2014/main" id="{5C358165-9186-7A47-C982-A517022A6741}"/>
+                <a16:creationId xmlns:a16="http://schemas.microsoft.com/office/drawing/2014/main" id="{E93CD8D9-BBE8-25AE-46B2-DF729DCE0E06}"/>
               </a:ext>
             </a:extLst>
           </p:cNvPr>
@@ -783,7 +783,7 @@
           <p:cNvPr id="3" name="内容占位符 2">
             <a:extLst>
               <a:ext uri="{FF2B5EF4-FFF2-40B4-BE49-F238E27FC236}">
-                <a16:creationId xmlns:a16="http://schemas.microsoft.com/office/drawing/2014/main" id="{A7BBEC8E-0C91-4AD8-8405-3340EBB7BF3C}"/>
+                <a16:creationId xmlns:a16="http://schemas.microsoft.com/office/drawing/2014/main" id="{115B2C24-77BD-54CD-B902-019C46D2D835}"/>
               </a:ext>
             </a:extLst>
           </p:cNvPr>
@@ -840,7 +840,7 @@
           <p:cNvPr id="4" name="日期占位符 3">
             <a:extLst>
               <a:ext uri="{FF2B5EF4-FFF2-40B4-BE49-F238E27FC236}">
-                <a16:creationId xmlns:a16="http://schemas.microsoft.com/office/drawing/2014/main" id="{CEC6A2A8-DE47-C255-1E8B-674DF533CF27}"/>
+                <a16:creationId xmlns:a16="http://schemas.microsoft.com/office/drawing/2014/main" id="{6A76622E-B3F3-CE0E-5F5A-AA709DC591C4}"/>
               </a:ext>
             </a:extLst>
           </p:cNvPr>
@@ -856,7 +856,7 @@
           <a:bodyPr/>
           <a:lstStyle/>
           <a:p>
-            <a:fld id="{23F23097-EE82-44A4-B694-CCF46629987C}" type="datetimeFigureOut">
+            <a:fld id="{BB29EA9D-FB9C-4F73-AF52-4096D2D8024E}" type="datetimeFigureOut">
               <a:rPr lang="zh-CN" altLang="en-US" smtClean="0"/>
               <a:t>2024/3/10</a:t>
             </a:fld>
@@ -869,7 +869,7 @@
           <p:cNvPr id="5" name="页脚占位符 4">
             <a:extLst>
               <a:ext uri="{FF2B5EF4-FFF2-40B4-BE49-F238E27FC236}">
-                <a16:creationId xmlns:a16="http://schemas.microsoft.com/office/drawing/2014/main" id="{739B7CB5-C37A-03BB-B99C-93D19B1B6861}"/>
+                <a16:creationId xmlns:a16="http://schemas.microsoft.com/office/drawing/2014/main" id="{5CBFD3DB-39C3-AA1F-8B08-BB702E8E2246}"/>
               </a:ext>
             </a:extLst>
           </p:cNvPr>
@@ -894,7 +894,7 @@
           <p:cNvPr id="6" name="灯片编号占位符 5">
             <a:extLst>
               <a:ext uri="{FF2B5EF4-FFF2-40B4-BE49-F238E27FC236}">
-                <a16:creationId xmlns:a16="http://schemas.microsoft.com/office/drawing/2014/main" id="{1BB31F9D-8CD8-491D-C352-8AF378FDD037}"/>
+                <a16:creationId xmlns:a16="http://schemas.microsoft.com/office/drawing/2014/main" id="{76824803-AD63-930E-1070-E85C1468A704}"/>
               </a:ext>
             </a:extLst>
           </p:cNvPr>
@@ -910,7 +910,7 @@
           <a:bodyPr/>
           <a:lstStyle/>
           <a:p>
-            <a:fld id="{C6894A59-91BB-4F6C-8ADC-1A09D33F291D}" type="slidenum">
+            <a:fld id="{76050D88-B5AE-4445-80CC-5EE0B8D4E589}" type="slidenum">
               <a:rPr lang="zh-CN" altLang="en-US" smtClean="0"/>
               <a:t>‹#›</a:t>
             </a:fld>
@@ -921,7 +921,7 @@
     </p:spTree>
     <p:extLst>
       <p:ext uri="{BB962C8B-B14F-4D97-AF65-F5344CB8AC3E}">
-        <p14:creationId xmlns:p14="http://schemas.microsoft.com/office/powerpoint/2010/main" val="364661610"/>
+        <p14:creationId xmlns:p14="http://schemas.microsoft.com/office/powerpoint/2010/main" val="3349485298"/>
       </p:ext>
     </p:extLst>
   </p:cSld>
@@ -953,7 +953,7 @@
           <p:cNvPr id="2" name="标题 1">
             <a:extLst>
               <a:ext uri="{FF2B5EF4-FFF2-40B4-BE49-F238E27FC236}">
-                <a16:creationId xmlns:a16="http://schemas.microsoft.com/office/drawing/2014/main" id="{BBE25C81-B369-2E80-1CCA-226A305EE167}"/>
+                <a16:creationId xmlns:a16="http://schemas.microsoft.com/office/drawing/2014/main" id="{15039341-0AA7-E6E7-BCB1-36FB559DECB8}"/>
               </a:ext>
             </a:extLst>
           </p:cNvPr>
@@ -990,7 +990,7 @@
           <p:cNvPr id="3" name="文本占位符 2">
             <a:extLst>
               <a:ext uri="{FF2B5EF4-FFF2-40B4-BE49-F238E27FC236}">
-                <a16:creationId xmlns:a16="http://schemas.microsoft.com/office/drawing/2014/main" id="{7F981077-774D-5692-9E8A-6C9CEEC14BF0}"/>
+                <a16:creationId xmlns:a16="http://schemas.microsoft.com/office/drawing/2014/main" id="{D9528E65-9323-F0D5-D864-B03020955818}"/>
               </a:ext>
             </a:extLst>
           </p:cNvPr>
@@ -1115,7 +1115,7 @@
           <p:cNvPr id="4" name="日期占位符 3">
             <a:extLst>
               <a:ext uri="{FF2B5EF4-FFF2-40B4-BE49-F238E27FC236}">
-                <a16:creationId xmlns:a16="http://schemas.microsoft.com/office/drawing/2014/main" id="{36923FB8-6AEE-47BC-9DD5-385726568062}"/>
+                <a16:creationId xmlns:a16="http://schemas.microsoft.com/office/drawing/2014/main" id="{EF243DE7-4623-A423-67DE-6AB8789EDA6E}"/>
               </a:ext>
             </a:extLst>
           </p:cNvPr>
@@ -1131,7 +1131,7 @@
           <a:bodyPr/>
           <a:lstStyle/>
           <a:p>
-            <a:fld id="{23F23097-EE82-44A4-B694-CCF46629987C}" type="datetimeFigureOut">
+            <a:fld id="{BB29EA9D-FB9C-4F73-AF52-4096D2D8024E}" type="datetimeFigureOut">
               <a:rPr lang="zh-CN" altLang="en-US" smtClean="0"/>
               <a:t>2024/3/10</a:t>
             </a:fld>
@@ -1144,7 +1144,7 @@
           <p:cNvPr id="5" name="页脚占位符 4">
             <a:extLst>
               <a:ext uri="{FF2B5EF4-FFF2-40B4-BE49-F238E27FC236}">
-                <a16:creationId xmlns:a16="http://schemas.microsoft.com/office/drawing/2014/main" id="{54C1AC35-E473-83A2-B9D9-8CAA10023EAF}"/>
+                <a16:creationId xmlns:a16="http://schemas.microsoft.com/office/drawing/2014/main" id="{48D8B8C4-D215-3240-F212-F5D84860A21B}"/>
               </a:ext>
             </a:extLst>
           </p:cNvPr>
@@ -1169,7 +1169,7 @@
           <p:cNvPr id="6" name="灯片编号占位符 5">
             <a:extLst>
               <a:ext uri="{FF2B5EF4-FFF2-40B4-BE49-F238E27FC236}">
-                <a16:creationId xmlns:a16="http://schemas.microsoft.com/office/drawing/2014/main" id="{F2D3606A-00E0-899A-5D00-B850EAAC02E2}"/>
+                <a16:creationId xmlns:a16="http://schemas.microsoft.com/office/drawing/2014/main" id="{129BDF88-C719-ADD2-9D80-1FAEF477D47B}"/>
               </a:ext>
             </a:extLst>
           </p:cNvPr>
@@ -1185,7 +1185,7 @@
           <a:bodyPr/>
           <a:lstStyle/>
           <a:p>
-            <a:fld id="{C6894A59-91BB-4F6C-8ADC-1A09D33F291D}" type="slidenum">
+            <a:fld id="{76050D88-B5AE-4445-80CC-5EE0B8D4E589}" type="slidenum">
               <a:rPr lang="zh-CN" altLang="en-US" smtClean="0"/>
               <a:t>‹#›</a:t>
             </a:fld>
@@ -1196,7 +1196,7 @@
     </p:spTree>
     <p:extLst>
       <p:ext uri="{BB962C8B-B14F-4D97-AF65-F5344CB8AC3E}">
-        <p14:creationId xmlns:p14="http://schemas.microsoft.com/office/powerpoint/2010/main" val="3066835992"/>
+        <p14:creationId xmlns:p14="http://schemas.microsoft.com/office/powerpoint/2010/main" val="3311206455"/>
       </p:ext>
     </p:extLst>
   </p:cSld>
@@ -1228,7 +1228,7 @@
           <p:cNvPr id="2" name="标题 1">
             <a:extLst>
               <a:ext uri="{FF2B5EF4-FFF2-40B4-BE49-F238E27FC236}">
-                <a16:creationId xmlns:a16="http://schemas.microsoft.com/office/drawing/2014/main" id="{68E24A7C-BDB2-43EB-1A6E-4E1422DC838D}"/>
+                <a16:creationId xmlns:a16="http://schemas.microsoft.com/office/drawing/2014/main" id="{949436F9-8F35-04FA-C356-DAE1CA402593}"/>
               </a:ext>
             </a:extLst>
           </p:cNvPr>
@@ -1256,7 +1256,7 @@
           <p:cNvPr id="3" name="内容占位符 2">
             <a:extLst>
               <a:ext uri="{FF2B5EF4-FFF2-40B4-BE49-F238E27FC236}">
-                <a16:creationId xmlns:a16="http://schemas.microsoft.com/office/drawing/2014/main" id="{D600C726-8984-19B6-F5C0-7CA70D5F251A}"/>
+                <a16:creationId xmlns:a16="http://schemas.microsoft.com/office/drawing/2014/main" id="{3E32BF4C-FC33-DEC0-FA3F-01E10E913DCD}"/>
               </a:ext>
             </a:extLst>
           </p:cNvPr>
@@ -1318,7 +1318,7 @@
           <p:cNvPr id="4" name="内容占位符 3">
             <a:extLst>
               <a:ext uri="{FF2B5EF4-FFF2-40B4-BE49-F238E27FC236}">
-                <a16:creationId xmlns:a16="http://schemas.microsoft.com/office/drawing/2014/main" id="{E30C68AF-AE6D-ADBA-BDE9-CE4960263668}"/>
+                <a16:creationId xmlns:a16="http://schemas.microsoft.com/office/drawing/2014/main" id="{FA92D241-08A5-6D9F-F122-0120EC8FBE55}"/>
               </a:ext>
             </a:extLst>
           </p:cNvPr>
@@ -1380,7 +1380,7 @@
           <p:cNvPr id="5" name="日期占位符 4">
             <a:extLst>
               <a:ext uri="{FF2B5EF4-FFF2-40B4-BE49-F238E27FC236}">
-                <a16:creationId xmlns:a16="http://schemas.microsoft.com/office/drawing/2014/main" id="{D8BEFEE4-B090-93B0-3CE0-68BB8FE0A50E}"/>
+                <a16:creationId xmlns:a16="http://schemas.microsoft.com/office/drawing/2014/main" id="{D821173D-414E-8E96-ACFA-9B9DD0B4047D}"/>
               </a:ext>
             </a:extLst>
           </p:cNvPr>
@@ -1396,7 +1396,7 @@
           <a:bodyPr/>
           <a:lstStyle/>
           <a:p>
-            <a:fld id="{23F23097-EE82-44A4-B694-CCF46629987C}" type="datetimeFigureOut">
+            <a:fld id="{BB29EA9D-FB9C-4F73-AF52-4096D2D8024E}" type="datetimeFigureOut">
               <a:rPr lang="zh-CN" altLang="en-US" smtClean="0"/>
               <a:t>2024/3/10</a:t>
             </a:fld>
@@ -1409,7 +1409,7 @@
           <p:cNvPr id="6" name="页脚占位符 5">
             <a:extLst>
               <a:ext uri="{FF2B5EF4-FFF2-40B4-BE49-F238E27FC236}">
-                <a16:creationId xmlns:a16="http://schemas.microsoft.com/office/drawing/2014/main" id="{75F5412C-841E-5CBC-9B7B-2E11152AED81}"/>
+                <a16:creationId xmlns:a16="http://schemas.microsoft.com/office/drawing/2014/main" id="{B3FCA46F-6CDE-8280-DD8B-B43868B15EA4}"/>
               </a:ext>
             </a:extLst>
           </p:cNvPr>
@@ -1434,7 +1434,7 @@
           <p:cNvPr id="7" name="灯片编号占位符 6">
             <a:extLst>
               <a:ext uri="{FF2B5EF4-FFF2-40B4-BE49-F238E27FC236}">
-                <a16:creationId xmlns:a16="http://schemas.microsoft.com/office/drawing/2014/main" id="{3771EF9F-ABEB-594C-1097-0766162843A5}"/>
+                <a16:creationId xmlns:a16="http://schemas.microsoft.com/office/drawing/2014/main" id="{303FF311-311A-21FF-1556-FD7723CC3357}"/>
               </a:ext>
             </a:extLst>
           </p:cNvPr>
@@ -1450,7 +1450,7 @@
           <a:bodyPr/>
           <a:lstStyle/>
           <a:p>
-            <a:fld id="{C6894A59-91BB-4F6C-8ADC-1A09D33F291D}" type="slidenum">
+            <a:fld id="{76050D88-B5AE-4445-80CC-5EE0B8D4E589}" type="slidenum">
               <a:rPr lang="zh-CN" altLang="en-US" smtClean="0"/>
               <a:t>‹#›</a:t>
             </a:fld>
@@ -1461,7 +1461,7 @@
     </p:spTree>
     <p:extLst>
       <p:ext uri="{BB962C8B-B14F-4D97-AF65-F5344CB8AC3E}">
-        <p14:creationId xmlns:p14="http://schemas.microsoft.com/office/powerpoint/2010/main" val="1977314604"/>
+        <p14:creationId xmlns:p14="http://schemas.microsoft.com/office/powerpoint/2010/main" val="3959925725"/>
       </p:ext>
     </p:extLst>
   </p:cSld>
@@ -1493,7 +1493,7 @@
           <p:cNvPr id="2" name="标题 1">
             <a:extLst>
               <a:ext uri="{FF2B5EF4-FFF2-40B4-BE49-F238E27FC236}">
-                <a16:creationId xmlns:a16="http://schemas.microsoft.com/office/drawing/2014/main" id="{4CB0AF41-FC96-ADC5-4E4D-82D191B786B5}"/>
+                <a16:creationId xmlns:a16="http://schemas.microsoft.com/office/drawing/2014/main" id="{3F378BF2-D539-6913-4490-60019256ABA4}"/>
               </a:ext>
             </a:extLst>
           </p:cNvPr>
@@ -1526,7 +1526,7 @@
           <p:cNvPr id="3" name="文本占位符 2">
             <a:extLst>
               <a:ext uri="{FF2B5EF4-FFF2-40B4-BE49-F238E27FC236}">
-                <a16:creationId xmlns:a16="http://schemas.microsoft.com/office/drawing/2014/main" id="{19B57E33-889B-2D80-26BD-C27010C6B632}"/>
+                <a16:creationId xmlns:a16="http://schemas.microsoft.com/office/drawing/2014/main" id="{A413A767-8B44-8F96-76A1-83615393FD8C}"/>
               </a:ext>
             </a:extLst>
           </p:cNvPr>
@@ -1597,7 +1597,7 @@
           <p:cNvPr id="4" name="内容占位符 3">
             <a:extLst>
               <a:ext uri="{FF2B5EF4-FFF2-40B4-BE49-F238E27FC236}">
-                <a16:creationId xmlns:a16="http://schemas.microsoft.com/office/drawing/2014/main" id="{33E161ED-E1A7-B3A9-EEF6-D74844FD6F77}"/>
+                <a16:creationId xmlns:a16="http://schemas.microsoft.com/office/drawing/2014/main" id="{33D01CD7-DA2E-A6E3-2661-CB3737E34A8E}"/>
               </a:ext>
             </a:extLst>
           </p:cNvPr>
@@ -1659,7 +1659,7 @@
           <p:cNvPr id="5" name="文本占位符 4">
             <a:extLst>
               <a:ext uri="{FF2B5EF4-FFF2-40B4-BE49-F238E27FC236}">
-                <a16:creationId xmlns:a16="http://schemas.microsoft.com/office/drawing/2014/main" id="{27B132AE-3FAA-2E22-2857-3130E3CE9AE9}"/>
+                <a16:creationId xmlns:a16="http://schemas.microsoft.com/office/drawing/2014/main" id="{C2FEDD74-6741-A087-C52C-9E6C605933D6}"/>
               </a:ext>
             </a:extLst>
           </p:cNvPr>
@@ -1730,7 +1730,7 @@
           <p:cNvPr id="6" name="内容占位符 5">
             <a:extLst>
               <a:ext uri="{FF2B5EF4-FFF2-40B4-BE49-F238E27FC236}">
-                <a16:creationId xmlns:a16="http://schemas.microsoft.com/office/drawing/2014/main" id="{8FF957F9-3FE4-43CE-DA3C-0C55F6A50E64}"/>
+                <a16:creationId xmlns:a16="http://schemas.microsoft.com/office/drawing/2014/main" id="{00B9D861-1B87-71C6-B488-6F3C4D17EF5B}"/>
               </a:ext>
             </a:extLst>
           </p:cNvPr>
@@ -1792,7 +1792,7 @@
           <p:cNvPr id="7" name="日期占位符 6">
             <a:extLst>
               <a:ext uri="{FF2B5EF4-FFF2-40B4-BE49-F238E27FC236}">
-                <a16:creationId xmlns:a16="http://schemas.microsoft.com/office/drawing/2014/main" id="{9CD5500E-5A73-DDE5-C0CB-4573B95015C2}"/>
+                <a16:creationId xmlns:a16="http://schemas.microsoft.com/office/drawing/2014/main" id="{2A0A0EF6-19A5-79D8-732A-A5574ADB158E}"/>
               </a:ext>
             </a:extLst>
           </p:cNvPr>
@@ -1808,7 +1808,7 @@
           <a:bodyPr/>
           <a:lstStyle/>
           <a:p>
-            <a:fld id="{23F23097-EE82-44A4-B694-CCF46629987C}" type="datetimeFigureOut">
+            <a:fld id="{BB29EA9D-FB9C-4F73-AF52-4096D2D8024E}" type="datetimeFigureOut">
               <a:rPr lang="zh-CN" altLang="en-US" smtClean="0"/>
               <a:t>2024/3/10</a:t>
             </a:fld>
@@ -1821,7 +1821,7 @@
           <p:cNvPr id="8" name="页脚占位符 7">
             <a:extLst>
               <a:ext uri="{FF2B5EF4-FFF2-40B4-BE49-F238E27FC236}">
-                <a16:creationId xmlns:a16="http://schemas.microsoft.com/office/drawing/2014/main" id="{CE5EFA28-62E8-7F7C-C509-BAE1C2327580}"/>
+                <a16:creationId xmlns:a16="http://schemas.microsoft.com/office/drawing/2014/main" id="{952F3F3D-4683-1986-1D04-5856C38669AD}"/>
               </a:ext>
             </a:extLst>
           </p:cNvPr>
@@ -1846,7 +1846,7 @@
           <p:cNvPr id="9" name="灯片编号占位符 8">
             <a:extLst>
               <a:ext uri="{FF2B5EF4-FFF2-40B4-BE49-F238E27FC236}">
-                <a16:creationId xmlns:a16="http://schemas.microsoft.com/office/drawing/2014/main" id="{5598DB06-A4E6-F712-0539-718DA3C2265E}"/>
+                <a16:creationId xmlns:a16="http://schemas.microsoft.com/office/drawing/2014/main" id="{9EF878B8-E5D5-569A-DA46-60DAD6EC987B}"/>
               </a:ext>
             </a:extLst>
           </p:cNvPr>
@@ -1862,7 +1862,7 @@
           <a:bodyPr/>
           <a:lstStyle/>
           <a:p>
-            <a:fld id="{C6894A59-91BB-4F6C-8ADC-1A09D33F291D}" type="slidenum">
+            <a:fld id="{76050D88-B5AE-4445-80CC-5EE0B8D4E589}" type="slidenum">
               <a:rPr lang="zh-CN" altLang="en-US" smtClean="0"/>
               <a:t>‹#›</a:t>
             </a:fld>
@@ -1873,7 +1873,7 @@
     </p:spTree>
     <p:extLst>
       <p:ext uri="{BB962C8B-B14F-4D97-AF65-F5344CB8AC3E}">
-        <p14:creationId xmlns:p14="http://schemas.microsoft.com/office/powerpoint/2010/main" val="4155470200"/>
+        <p14:creationId xmlns:p14="http://schemas.microsoft.com/office/powerpoint/2010/main" val="3903889493"/>
       </p:ext>
     </p:extLst>
   </p:cSld>
@@ -1905,7 +1905,7 @@
           <p:cNvPr id="2" name="标题 1">
             <a:extLst>
               <a:ext uri="{FF2B5EF4-FFF2-40B4-BE49-F238E27FC236}">
-                <a16:creationId xmlns:a16="http://schemas.microsoft.com/office/drawing/2014/main" id="{81DA52B6-DDC8-B7F7-E033-C0E94EC48DDF}"/>
+                <a16:creationId xmlns:a16="http://schemas.microsoft.com/office/drawing/2014/main" id="{76014687-C4C5-4EF2-9C50-F84C3D849FD3}"/>
               </a:ext>
             </a:extLst>
           </p:cNvPr>
@@ -1933,7 +1933,7 @@
           <p:cNvPr id="3" name="日期占位符 2">
             <a:extLst>
               <a:ext uri="{FF2B5EF4-FFF2-40B4-BE49-F238E27FC236}">
-                <a16:creationId xmlns:a16="http://schemas.microsoft.com/office/drawing/2014/main" id="{68D61EE0-FEF5-2934-18D0-3985CA9B1631}"/>
+                <a16:creationId xmlns:a16="http://schemas.microsoft.com/office/drawing/2014/main" id="{3AC1B6D9-499D-4E9D-A641-4037C72D6337}"/>
               </a:ext>
             </a:extLst>
           </p:cNvPr>
@@ -1949,7 +1949,7 @@
           <a:bodyPr/>
           <a:lstStyle/>
           <a:p>
-            <a:fld id="{23F23097-EE82-44A4-B694-CCF46629987C}" type="datetimeFigureOut">
+            <a:fld id="{BB29EA9D-FB9C-4F73-AF52-4096D2D8024E}" type="datetimeFigureOut">
               <a:rPr lang="zh-CN" altLang="en-US" smtClean="0"/>
               <a:t>2024/3/10</a:t>
             </a:fld>
@@ -1962,7 +1962,7 @@
           <p:cNvPr id="4" name="页脚占位符 3">
             <a:extLst>
               <a:ext uri="{FF2B5EF4-FFF2-40B4-BE49-F238E27FC236}">
-                <a16:creationId xmlns:a16="http://schemas.microsoft.com/office/drawing/2014/main" id="{64D5E3A2-9A86-ABDF-DEAF-3CCC29684173}"/>
+                <a16:creationId xmlns:a16="http://schemas.microsoft.com/office/drawing/2014/main" id="{05B7F766-376A-6F10-225D-1F42C67F66D9}"/>
               </a:ext>
             </a:extLst>
           </p:cNvPr>
@@ -1987,7 +1987,7 @@
           <p:cNvPr id="5" name="灯片编号占位符 4">
             <a:extLst>
               <a:ext uri="{FF2B5EF4-FFF2-40B4-BE49-F238E27FC236}">
-                <a16:creationId xmlns:a16="http://schemas.microsoft.com/office/drawing/2014/main" id="{21B7C9DE-8654-AB64-7740-DA0AE919C9C6}"/>
+                <a16:creationId xmlns:a16="http://schemas.microsoft.com/office/drawing/2014/main" id="{43AE3B22-717B-0EE8-B59B-1CA9942ADA30}"/>
               </a:ext>
             </a:extLst>
           </p:cNvPr>
@@ -2003,7 +2003,7 @@
           <a:bodyPr/>
           <a:lstStyle/>
           <a:p>
-            <a:fld id="{C6894A59-91BB-4F6C-8ADC-1A09D33F291D}" type="slidenum">
+            <a:fld id="{76050D88-B5AE-4445-80CC-5EE0B8D4E589}" type="slidenum">
               <a:rPr lang="zh-CN" altLang="en-US" smtClean="0"/>
               <a:t>‹#›</a:t>
             </a:fld>
@@ -2014,7 +2014,7 @@
     </p:spTree>
     <p:extLst>
       <p:ext uri="{BB962C8B-B14F-4D97-AF65-F5344CB8AC3E}">
-        <p14:creationId xmlns:p14="http://schemas.microsoft.com/office/powerpoint/2010/main" val="1744224906"/>
+        <p14:creationId xmlns:p14="http://schemas.microsoft.com/office/powerpoint/2010/main" val="1301744573"/>
       </p:ext>
     </p:extLst>
   </p:cSld>
@@ -2046,7 +2046,7 @@
           <p:cNvPr id="2" name="日期占位符 1">
             <a:extLst>
               <a:ext uri="{FF2B5EF4-FFF2-40B4-BE49-F238E27FC236}">
-                <a16:creationId xmlns:a16="http://schemas.microsoft.com/office/drawing/2014/main" id="{0DCE4F56-1651-80ED-325F-41A26394EF69}"/>
+                <a16:creationId xmlns:a16="http://schemas.microsoft.com/office/drawing/2014/main" id="{389E4299-D1C6-AF10-5C5F-E46F3ECB2417}"/>
               </a:ext>
             </a:extLst>
           </p:cNvPr>
@@ -2062,7 +2062,7 @@
           <a:bodyPr/>
           <a:lstStyle/>
           <a:p>
-            <a:fld id="{23F23097-EE82-44A4-B694-CCF46629987C}" type="datetimeFigureOut">
+            <a:fld id="{BB29EA9D-FB9C-4F73-AF52-4096D2D8024E}" type="datetimeFigureOut">
               <a:rPr lang="zh-CN" altLang="en-US" smtClean="0"/>
               <a:t>2024/3/10</a:t>
             </a:fld>
@@ -2075,7 +2075,7 @@
           <p:cNvPr id="3" name="页脚占位符 2">
             <a:extLst>
               <a:ext uri="{FF2B5EF4-FFF2-40B4-BE49-F238E27FC236}">
-                <a16:creationId xmlns:a16="http://schemas.microsoft.com/office/drawing/2014/main" id="{593116A5-0F04-F4CE-D9A9-AADEDE75812D}"/>
+                <a16:creationId xmlns:a16="http://schemas.microsoft.com/office/drawing/2014/main" id="{C14C2A68-ADA0-D804-42CE-422DD0793FD3}"/>
               </a:ext>
             </a:extLst>
           </p:cNvPr>
@@ -2100,7 +2100,7 @@
           <p:cNvPr id="4" name="灯片编号占位符 3">
             <a:extLst>
               <a:ext uri="{FF2B5EF4-FFF2-40B4-BE49-F238E27FC236}">
-                <a16:creationId xmlns:a16="http://schemas.microsoft.com/office/drawing/2014/main" id="{7DE58B03-4231-36C7-9271-0D2F3F4E26FA}"/>
+                <a16:creationId xmlns:a16="http://schemas.microsoft.com/office/drawing/2014/main" id="{862A9469-65BA-6BCC-77D0-3C576F6D119A}"/>
               </a:ext>
             </a:extLst>
           </p:cNvPr>
@@ -2116,7 +2116,7 @@
           <a:bodyPr/>
           <a:lstStyle/>
           <a:p>
-            <a:fld id="{C6894A59-91BB-4F6C-8ADC-1A09D33F291D}" type="slidenum">
+            <a:fld id="{76050D88-B5AE-4445-80CC-5EE0B8D4E589}" type="slidenum">
               <a:rPr lang="zh-CN" altLang="en-US" smtClean="0"/>
               <a:t>‹#›</a:t>
             </a:fld>
@@ -2127,7 +2127,7 @@
     </p:spTree>
     <p:extLst>
       <p:ext uri="{BB962C8B-B14F-4D97-AF65-F5344CB8AC3E}">
-        <p14:creationId xmlns:p14="http://schemas.microsoft.com/office/powerpoint/2010/main" val="980952930"/>
+        <p14:creationId xmlns:p14="http://schemas.microsoft.com/office/powerpoint/2010/main" val="1960060727"/>
       </p:ext>
     </p:extLst>
   </p:cSld>
@@ -2159,7 +2159,7 @@
           <p:cNvPr id="2" name="标题 1">
             <a:extLst>
               <a:ext uri="{FF2B5EF4-FFF2-40B4-BE49-F238E27FC236}">
-                <a16:creationId xmlns:a16="http://schemas.microsoft.com/office/drawing/2014/main" id="{FEC6E7A8-7E75-8D57-B7E9-F2627BEC4E44}"/>
+                <a16:creationId xmlns:a16="http://schemas.microsoft.com/office/drawing/2014/main" id="{89D1360B-E317-1E96-E63D-878268366AF7}"/>
               </a:ext>
             </a:extLst>
           </p:cNvPr>
@@ -2196,7 +2196,7 @@
           <p:cNvPr id="3" name="内容占位符 2">
             <a:extLst>
               <a:ext uri="{FF2B5EF4-FFF2-40B4-BE49-F238E27FC236}">
-                <a16:creationId xmlns:a16="http://schemas.microsoft.com/office/drawing/2014/main" id="{784649BD-FA61-C9D2-EBB8-50DBA696FC2D}"/>
+                <a16:creationId xmlns:a16="http://schemas.microsoft.com/office/drawing/2014/main" id="{38E94D00-9E3E-F0D8-9658-837C4BDB1B63}"/>
               </a:ext>
             </a:extLst>
           </p:cNvPr>
@@ -2286,7 +2286,7 @@
           <p:cNvPr id="4" name="文本占位符 3">
             <a:extLst>
               <a:ext uri="{FF2B5EF4-FFF2-40B4-BE49-F238E27FC236}">
-                <a16:creationId xmlns:a16="http://schemas.microsoft.com/office/drawing/2014/main" id="{E34F762F-E047-E3C6-48A6-827BC32B1CE5}"/>
+                <a16:creationId xmlns:a16="http://schemas.microsoft.com/office/drawing/2014/main" id="{C1105DE5-D92A-7F8C-87DD-B5ACC6B31942}"/>
               </a:ext>
             </a:extLst>
           </p:cNvPr>
@@ -2357,7 +2357,7 @@
           <p:cNvPr id="5" name="日期占位符 4">
             <a:extLst>
               <a:ext uri="{FF2B5EF4-FFF2-40B4-BE49-F238E27FC236}">
-                <a16:creationId xmlns:a16="http://schemas.microsoft.com/office/drawing/2014/main" id="{CC771D93-16BE-E52B-FFDE-03735AE316CC}"/>
+                <a16:creationId xmlns:a16="http://schemas.microsoft.com/office/drawing/2014/main" id="{4837C2F8-1EA5-1F9A-C529-D678F585EB2E}"/>
               </a:ext>
             </a:extLst>
           </p:cNvPr>
@@ -2373,7 +2373,7 @@
           <a:bodyPr/>
           <a:lstStyle/>
           <a:p>
-            <a:fld id="{23F23097-EE82-44A4-B694-CCF46629987C}" type="datetimeFigureOut">
+            <a:fld id="{BB29EA9D-FB9C-4F73-AF52-4096D2D8024E}" type="datetimeFigureOut">
               <a:rPr lang="zh-CN" altLang="en-US" smtClean="0"/>
               <a:t>2024/3/10</a:t>
             </a:fld>
@@ -2386,7 +2386,7 @@
           <p:cNvPr id="6" name="页脚占位符 5">
             <a:extLst>
               <a:ext uri="{FF2B5EF4-FFF2-40B4-BE49-F238E27FC236}">
-                <a16:creationId xmlns:a16="http://schemas.microsoft.com/office/drawing/2014/main" id="{1E31AE63-D87B-104C-1699-2CFFACDD85F7}"/>
+                <a16:creationId xmlns:a16="http://schemas.microsoft.com/office/drawing/2014/main" id="{CC19CE63-ED43-C61F-41C6-42E7A875A235}"/>
               </a:ext>
             </a:extLst>
           </p:cNvPr>
@@ -2411,7 +2411,7 @@
           <p:cNvPr id="7" name="灯片编号占位符 6">
             <a:extLst>
               <a:ext uri="{FF2B5EF4-FFF2-40B4-BE49-F238E27FC236}">
-                <a16:creationId xmlns:a16="http://schemas.microsoft.com/office/drawing/2014/main" id="{22B7899E-CC35-C054-FAF0-A4C2843A4B31}"/>
+                <a16:creationId xmlns:a16="http://schemas.microsoft.com/office/drawing/2014/main" id="{866F2FB0-08BB-F8DC-7F26-861C156A72E9}"/>
               </a:ext>
             </a:extLst>
           </p:cNvPr>
@@ -2427,7 +2427,7 @@
           <a:bodyPr/>
           <a:lstStyle/>
           <a:p>
-            <a:fld id="{C6894A59-91BB-4F6C-8ADC-1A09D33F291D}" type="slidenum">
+            <a:fld id="{76050D88-B5AE-4445-80CC-5EE0B8D4E589}" type="slidenum">
               <a:rPr lang="zh-CN" altLang="en-US" smtClean="0"/>
               <a:t>‹#›</a:t>
             </a:fld>
@@ -2438,7 +2438,7 @@
     </p:spTree>
     <p:extLst>
       <p:ext uri="{BB962C8B-B14F-4D97-AF65-F5344CB8AC3E}">
-        <p14:creationId xmlns:p14="http://schemas.microsoft.com/office/powerpoint/2010/main" val="1716412799"/>
+        <p14:creationId xmlns:p14="http://schemas.microsoft.com/office/powerpoint/2010/main" val="1778149942"/>
       </p:ext>
     </p:extLst>
   </p:cSld>
@@ -2470,7 +2470,7 @@
           <p:cNvPr id="2" name="标题 1">
             <a:extLst>
               <a:ext uri="{FF2B5EF4-FFF2-40B4-BE49-F238E27FC236}">
-                <a16:creationId xmlns:a16="http://schemas.microsoft.com/office/drawing/2014/main" id="{5830FAA9-F931-56E7-7E8C-71B9A61BE444}"/>
+                <a16:creationId xmlns:a16="http://schemas.microsoft.com/office/drawing/2014/main" id="{AC84F168-E6AE-4F99-629C-3C0CE4A1C41A}"/>
               </a:ext>
             </a:extLst>
           </p:cNvPr>
@@ -2507,7 +2507,7 @@
           <p:cNvPr id="3" name="图片占位符 2">
             <a:extLst>
               <a:ext uri="{FF2B5EF4-FFF2-40B4-BE49-F238E27FC236}">
-                <a16:creationId xmlns:a16="http://schemas.microsoft.com/office/drawing/2014/main" id="{C536EEEB-5D69-3E44-66C1-F14F30DCC80C}"/>
+                <a16:creationId xmlns:a16="http://schemas.microsoft.com/office/drawing/2014/main" id="{181A2696-5680-9651-3640-FE3518E091EE}"/>
               </a:ext>
             </a:extLst>
           </p:cNvPr>
@@ -2574,7 +2574,7 @@
           <p:cNvPr id="4" name="文本占位符 3">
             <a:extLst>
               <a:ext uri="{FF2B5EF4-FFF2-40B4-BE49-F238E27FC236}">
-                <a16:creationId xmlns:a16="http://schemas.microsoft.com/office/drawing/2014/main" id="{70C7E9C9-399B-3E2A-2290-13745B2D8300}"/>
+                <a16:creationId xmlns:a16="http://schemas.microsoft.com/office/drawing/2014/main" id="{613BC1EB-1977-A344-2A37-858E2948869B}"/>
               </a:ext>
             </a:extLst>
           </p:cNvPr>
@@ -2645,7 +2645,7 @@
           <p:cNvPr id="5" name="日期占位符 4">
             <a:extLst>
               <a:ext uri="{FF2B5EF4-FFF2-40B4-BE49-F238E27FC236}">
-                <a16:creationId xmlns:a16="http://schemas.microsoft.com/office/drawing/2014/main" id="{27CEF2EF-314F-12AA-8F31-2CE72A282B87}"/>
+                <a16:creationId xmlns:a16="http://schemas.microsoft.com/office/drawing/2014/main" id="{975A913D-6936-DCDA-5634-2FA337F0B1B7}"/>
               </a:ext>
             </a:extLst>
           </p:cNvPr>
@@ -2661,7 +2661,7 @@
           <a:bodyPr/>
           <a:lstStyle/>
           <a:p>
-            <a:fld id="{23F23097-EE82-44A4-B694-CCF46629987C}" type="datetimeFigureOut">
+            <a:fld id="{BB29EA9D-FB9C-4F73-AF52-4096D2D8024E}" type="datetimeFigureOut">
               <a:rPr lang="zh-CN" altLang="en-US" smtClean="0"/>
               <a:t>2024/3/10</a:t>
             </a:fld>
@@ -2674,7 +2674,7 @@
           <p:cNvPr id="6" name="页脚占位符 5">
             <a:extLst>
               <a:ext uri="{FF2B5EF4-FFF2-40B4-BE49-F238E27FC236}">
-                <a16:creationId xmlns:a16="http://schemas.microsoft.com/office/drawing/2014/main" id="{170CA168-CC36-F24A-D342-4E4F05B9148D}"/>
+                <a16:creationId xmlns:a16="http://schemas.microsoft.com/office/drawing/2014/main" id="{A7763EC7-7CE4-0112-EAAD-D95246D77FD4}"/>
               </a:ext>
             </a:extLst>
           </p:cNvPr>
@@ -2699,7 +2699,7 @@
           <p:cNvPr id="7" name="灯片编号占位符 6">
             <a:extLst>
               <a:ext uri="{FF2B5EF4-FFF2-40B4-BE49-F238E27FC236}">
-                <a16:creationId xmlns:a16="http://schemas.microsoft.com/office/drawing/2014/main" id="{D3AB8657-6CBA-C76E-7643-E6E46C27DFB5}"/>
+                <a16:creationId xmlns:a16="http://schemas.microsoft.com/office/drawing/2014/main" id="{9472AF5B-E525-ECD3-9CE7-C04D38B87003}"/>
               </a:ext>
             </a:extLst>
           </p:cNvPr>
@@ -2715,7 +2715,7 @@
           <a:bodyPr/>
           <a:lstStyle/>
           <a:p>
-            <a:fld id="{C6894A59-91BB-4F6C-8ADC-1A09D33F291D}" type="slidenum">
+            <a:fld id="{76050D88-B5AE-4445-80CC-5EE0B8D4E589}" type="slidenum">
               <a:rPr lang="zh-CN" altLang="en-US" smtClean="0"/>
               <a:t>‹#›</a:t>
             </a:fld>
@@ -2726,7 +2726,7 @@
     </p:spTree>
     <p:extLst>
       <p:ext uri="{BB962C8B-B14F-4D97-AF65-F5344CB8AC3E}">
-        <p14:creationId xmlns:p14="http://schemas.microsoft.com/office/powerpoint/2010/main" val="2200268889"/>
+        <p14:creationId xmlns:p14="http://schemas.microsoft.com/office/powerpoint/2010/main" val="4062556612"/>
       </p:ext>
     </p:extLst>
   </p:cSld>
@@ -2763,7 +2763,7 @@
           <p:cNvPr id="2" name="标题占位符 1">
             <a:extLst>
               <a:ext uri="{FF2B5EF4-FFF2-40B4-BE49-F238E27FC236}">
-                <a16:creationId xmlns:a16="http://schemas.microsoft.com/office/drawing/2014/main" id="{B34205AD-ED14-8C0B-8376-52C179B910CA}"/>
+                <a16:creationId xmlns:a16="http://schemas.microsoft.com/office/drawing/2014/main" id="{5B84558D-9688-FA43-A052-FFBBA0F3FF8D}"/>
               </a:ext>
             </a:extLst>
           </p:cNvPr>
@@ -2801,7 +2801,7 @@
           <p:cNvPr id="3" name="文本占位符 2">
             <a:extLst>
               <a:ext uri="{FF2B5EF4-FFF2-40B4-BE49-F238E27FC236}">
-                <a16:creationId xmlns:a16="http://schemas.microsoft.com/office/drawing/2014/main" id="{902828AF-D936-2EE7-CADE-7F97C0ADDE63}"/>
+                <a16:creationId xmlns:a16="http://schemas.microsoft.com/office/drawing/2014/main" id="{3948C6B0-B71E-DE16-E98A-7D169525E4DE}"/>
               </a:ext>
             </a:extLst>
           </p:cNvPr>
@@ -2868,7 +2868,7 @@
           <p:cNvPr id="4" name="日期占位符 3">
             <a:extLst>
               <a:ext uri="{FF2B5EF4-FFF2-40B4-BE49-F238E27FC236}">
-                <a16:creationId xmlns:a16="http://schemas.microsoft.com/office/drawing/2014/main" id="{77026DA1-C2AF-1995-8E02-7FFAB64BCF5E}"/>
+                <a16:creationId xmlns:a16="http://schemas.microsoft.com/office/drawing/2014/main" id="{E8E1A609-2C2A-2288-64D1-125C93306D70}"/>
               </a:ext>
             </a:extLst>
           </p:cNvPr>
@@ -2902,7 +2902,7 @@
             </a:lvl1pPr>
           </a:lstStyle>
           <a:p>
-            <a:fld id="{23F23097-EE82-44A4-B694-CCF46629987C}" type="datetimeFigureOut">
+            <a:fld id="{BB29EA9D-FB9C-4F73-AF52-4096D2D8024E}" type="datetimeFigureOut">
               <a:rPr lang="zh-CN" altLang="en-US" smtClean="0"/>
               <a:t>2024/3/10</a:t>
             </a:fld>
@@ -2915,7 +2915,7 @@
           <p:cNvPr id="5" name="页脚占位符 4">
             <a:extLst>
               <a:ext uri="{FF2B5EF4-FFF2-40B4-BE49-F238E27FC236}">
-                <a16:creationId xmlns:a16="http://schemas.microsoft.com/office/drawing/2014/main" id="{B934EA9E-6866-CA6F-3CC8-C37F8534A155}"/>
+                <a16:creationId xmlns:a16="http://schemas.microsoft.com/office/drawing/2014/main" id="{2B7EFB85-2C41-34B7-C99C-E57106760794}"/>
               </a:ext>
             </a:extLst>
           </p:cNvPr>
@@ -2958,7 +2958,7 @@
           <p:cNvPr id="6" name="灯片编号占位符 5">
             <a:extLst>
               <a:ext uri="{FF2B5EF4-FFF2-40B4-BE49-F238E27FC236}">
-                <a16:creationId xmlns:a16="http://schemas.microsoft.com/office/drawing/2014/main" id="{74FCA5BA-CEDE-BDB9-81DD-5DB614179429}"/>
+                <a16:creationId xmlns:a16="http://schemas.microsoft.com/office/drawing/2014/main" id="{0B5E3ADE-4790-AF7A-FFAA-48CE92E0B4CF}"/>
               </a:ext>
             </a:extLst>
           </p:cNvPr>
@@ -2992,7 +2992,7 @@
             </a:lvl1pPr>
           </a:lstStyle>
           <a:p>
-            <a:fld id="{C6894A59-91BB-4F6C-8ADC-1A09D33F291D}" type="slidenum">
+            <a:fld id="{76050D88-B5AE-4445-80CC-5EE0B8D4E589}" type="slidenum">
               <a:rPr lang="zh-CN" altLang="en-US" smtClean="0"/>
               <a:t>‹#›</a:t>
             </a:fld>
@@ -3003,7 +3003,7 @@
     </p:spTree>
     <p:extLst>
       <p:ext uri="{BB962C8B-B14F-4D97-AF65-F5344CB8AC3E}">
-        <p14:creationId xmlns:p14="http://schemas.microsoft.com/office/powerpoint/2010/main" val="3823692603"/>
+        <p14:creationId xmlns:p14="http://schemas.microsoft.com/office/powerpoint/2010/main" val="1105651094"/>
       </p:ext>
     </p:extLst>
   </p:cSld>
@@ -3323,7 +3323,7 @@
       </p:grpSpPr>
       <p:pic>
         <p:nvPicPr>
-          <p:cNvPr id="370690" name="Picture 2" descr="361"/>
+          <p:cNvPr id="371714" name="Picture 2" descr="362"/>
           <p:cNvPicPr>
             <a:picLocks noChangeAspect="1" noChangeArrowheads="1"/>
           </p:cNvPicPr>
